--- a/presentasi ppt/PPT-BE-API-Intermediate-Langgeng Kanugrahan.pptx
+++ b/presentasi ppt/PPT-BE-API-Intermediate-Langgeng Kanugrahan.pptx
@@ -108,6 +108,11 @@
       </a:defRPr>
     </a:lvl9pPr>
   </p:defaultTextStyle>
+  <p:extLst>
+    <p:ext uri="{EFAFB233-063F-42B5-8137-9DF3F51BA10A}">
+      <p15:sldGuideLst xmlns:p15="http://schemas.microsoft.com/office/powerpoint/2012/main"/>
+    </p:ext>
+  </p:extLst>
 </p:presentation>
 </file>
 
@@ -4707,6 +4712,14 @@
               <a:rPr lang="en-US" dirty="0" err="1"/>
               <a:t>berkas</a:t>
             </a:r>
+            <a:r>
+              <a:rPr lang="en-US" dirty="0"/>
+              <a:t> file, video, </a:t>
+            </a:r>
+            <a:r>
+              <a:rPr lang="en-US" dirty="0" err="1"/>
+              <a:t>gambar</a:t>
+            </a:r>
             <a:endParaRPr lang="en-US" dirty="0"/>
           </a:p>
           <a:p>
@@ -4745,6 +4758,14 @@
             <a:r>
               <a:rPr lang="en-US" dirty="0" err="1"/>
               <a:t>berkas</a:t>
+            </a:r>
+            <a:r>
+              <a:rPr lang="en-US" dirty="0"/>
+              <a:t> file, video, </a:t>
+            </a:r>
+            <a:r>
+              <a:rPr lang="en-US"/>
+              <a:t>gambar</a:t>
             </a:r>
             <a:endParaRPr lang="en-US" dirty="0"/>
           </a:p>
